--- a/SSE3/MartinPresentation/SSE3_4.pptx
+++ b/SSE3/MartinPresentation/SSE3_4.pptx
@@ -5,7 +5,7 @@
     <p:sldMasterId id="2147483648" r:id="rId1"/>
   </p:sldMasterIdLst>
   <p:notesMasterIdLst>
-    <p:notesMasterId r:id="rId19"/>
+    <p:notesMasterId r:id="rId15"/>
   </p:notesMasterIdLst>
   <p:sldIdLst>
     <p:sldId id="256" r:id="rId2"/>
@@ -20,11 +20,7 @@
     <p:sldId id="264" r:id="rId11"/>
     <p:sldId id="266" r:id="rId12"/>
     <p:sldId id="267" r:id="rId13"/>
-    <p:sldId id="268" r:id="rId14"/>
-    <p:sldId id="269" r:id="rId15"/>
-    <p:sldId id="270" r:id="rId16"/>
-    <p:sldId id="271" r:id="rId17"/>
-    <p:sldId id="273" r:id="rId18"/>
+    <p:sldId id="273" r:id="rId14"/>
   </p:sldIdLst>
   <p:sldSz cx="9144000" cy="6858000" type="screen4x3"/>
   <p:notesSz cx="6858000" cy="9144000"/>
@@ -209,7 +205,7 @@
             <a:fld id="{74E21A3D-80CD-48E3-AE5F-42F60B33C6B3}" type="datetimeFigureOut">
               <a:rPr lang="da-DK" smtClean="0"/>
               <a:pPr/>
-              <a:t>01-06-2010</a:t>
+              <a:t>25-08-2010</a:t>
             </a:fld>
             <a:endParaRPr lang="en-US"/>
           </a:p>
@@ -2313,7 +2309,7 @@
             <a:fld id="{3E544EA0-8A63-469E-897E-4A3C6061B19F}" type="datetime1">
               <a:rPr lang="da-DK" smtClean="0"/>
               <a:pPr/>
-              <a:t>01-06-2010</a:t>
+              <a:t>25-08-2010</a:t>
             </a:fld>
             <a:endParaRPr lang="en-US"/>
           </a:p>
@@ -2480,7 +2476,7 @@
             <a:fld id="{07BCC79A-4E36-4D31-9168-26EF56BCC2B9}" type="datetime1">
               <a:rPr lang="da-DK" smtClean="0"/>
               <a:pPr/>
-              <a:t>01-06-2010</a:t>
+              <a:t>25-08-2010</a:t>
             </a:fld>
             <a:endParaRPr lang="en-US"/>
           </a:p>
@@ -2657,7 +2653,7 @@
             <a:fld id="{2C573AB5-2378-427B-BBA3-75D2E5FE2552}" type="datetime1">
               <a:rPr lang="da-DK" smtClean="0"/>
               <a:pPr/>
-              <a:t>01-06-2010</a:t>
+              <a:t>25-08-2010</a:t>
             </a:fld>
             <a:endParaRPr lang="en-US"/>
           </a:p>
@@ -2824,7 +2820,7 @@
             <a:fld id="{22813628-F84E-4ABC-A90B-EA849AAD6FE0}" type="datetime1">
               <a:rPr lang="da-DK" smtClean="0"/>
               <a:pPr/>
-              <a:t>01-06-2010</a:t>
+              <a:t>25-08-2010</a:t>
             </a:fld>
             <a:endParaRPr lang="en-US"/>
           </a:p>
@@ -3067,7 +3063,7 @@
             <a:fld id="{64682A16-5873-4A6E-A4A9-459CA23C5540}" type="datetime1">
               <a:rPr lang="da-DK" smtClean="0"/>
               <a:pPr/>
-              <a:t>01-06-2010</a:t>
+              <a:t>25-08-2010</a:t>
             </a:fld>
             <a:endParaRPr lang="en-US"/>
           </a:p>
@@ -3352,7 +3348,7 @@
             <a:fld id="{97F2EB18-94CB-4C60-BDD4-89B5A6F06E44}" type="datetime1">
               <a:rPr lang="da-DK" smtClean="0"/>
               <a:pPr/>
-              <a:t>01-06-2010</a:t>
+              <a:t>25-08-2010</a:t>
             </a:fld>
             <a:endParaRPr lang="en-US"/>
           </a:p>
@@ -3771,7 +3767,7 @@
             <a:fld id="{9BF7A5E8-D5F5-4E2D-BD56-025D30271B34}" type="datetime1">
               <a:rPr lang="da-DK" smtClean="0"/>
               <a:pPr/>
-              <a:t>01-06-2010</a:t>
+              <a:t>25-08-2010</a:t>
             </a:fld>
             <a:endParaRPr lang="en-US"/>
           </a:p>
@@ -3886,7 +3882,7 @@
             <a:fld id="{C46C8564-30FB-42D7-8EAC-37BB92371089}" type="datetime1">
               <a:rPr lang="da-DK" smtClean="0"/>
               <a:pPr/>
-              <a:t>01-06-2010</a:t>
+              <a:t>25-08-2010</a:t>
             </a:fld>
             <a:endParaRPr lang="en-US"/>
           </a:p>
@@ -3978,7 +3974,7 @@
             <a:fld id="{B95499B0-EC59-49AD-8134-EA4249367342}" type="datetime1">
               <a:rPr lang="da-DK" smtClean="0"/>
               <a:pPr/>
-              <a:t>01-06-2010</a:t>
+              <a:t>25-08-2010</a:t>
             </a:fld>
             <a:endParaRPr lang="en-US"/>
           </a:p>
@@ -4252,7 +4248,7 @@
             <a:fld id="{0EFFC988-13E9-4EAE-A4EB-DA2BF0497013}" type="datetime1">
               <a:rPr lang="da-DK" smtClean="0"/>
               <a:pPr/>
-              <a:t>01-06-2010</a:t>
+              <a:t>25-08-2010</a:t>
             </a:fld>
             <a:endParaRPr lang="en-US"/>
           </a:p>
@@ -4502,7 +4498,7 @@
             <a:fld id="{E18BA081-7B04-4C6F-995B-F6EB68A85820}" type="datetime1">
               <a:rPr lang="da-DK" smtClean="0"/>
               <a:pPr/>
-              <a:t>01-06-2010</a:t>
+              <a:t>25-08-2010</a:t>
             </a:fld>
             <a:endParaRPr lang="en-US"/>
           </a:p>
@@ -4712,7 +4708,7 @@
             <a:fld id="{A9A24434-CA81-455D-9706-AC9F700F014C}" type="datetime1">
               <a:rPr lang="da-DK" smtClean="0"/>
               <a:pPr/>
-              <a:t>01-06-2010</a:t>
+              <a:t>25-08-2010</a:t>
             </a:fld>
             <a:endParaRPr lang="en-US"/>
           </a:p>
@@ -5135,18 +5131,6 @@
           <a:bodyPr/>
           <a:lstStyle/>
           <a:p>
-            <a:r>
-              <a:rPr lang="en-US" dirty="0" smtClean="0"/>
-              <a:t>Jens </a:t>
-            </a:r>
-            <a:r>
-              <a:rPr lang="en-US" dirty="0" err="1" smtClean="0"/>
-              <a:t>Bjarke</a:t>
-            </a:r>
-            <a:r>
-              <a:rPr lang="en-US" dirty="0" smtClean="0"/>
-              <a:t> Pedersen</a:t>
-            </a:r>
             <a:endParaRPr lang="en-US" dirty="0"/>
           </a:p>
         </p:txBody>
@@ -5682,32 +5666,6 @@
       </p:grpSpPr>
       <p:sp>
         <p:nvSpPr>
-          <p:cNvPr id="2" name="Titel 1"/>
-          <p:cNvSpPr>
-            <a:spLocks noGrp="1"/>
-          </p:cNvSpPr>
-          <p:nvPr>
-            <p:ph type="title"/>
-          </p:nvPr>
-        </p:nvSpPr>
-        <p:spPr/>
-        <p:txBody>
-          <a:bodyPr/>
-          <a:lstStyle/>
-          <a:p>
-            <a:pPr lvl="0">
-              <a:defRPr/>
-            </a:pPr>
-            <a:r>
-              <a:rPr lang="en-US" dirty="0" smtClean="0"/>
-              <a:t>The project</a:t>
-            </a:r>
-            <a:endParaRPr lang="en-US" dirty="0"/>
-          </a:p>
-        </p:txBody>
-      </p:sp>
-      <p:sp>
-        <p:nvSpPr>
           <p:cNvPr id="3" name="Pladsholder til indhold 2"/>
           <p:cNvSpPr>
             <a:spLocks noGrp="1"/>
@@ -5720,59 +5678,6 @@
         <p:txBody>
           <a:bodyPr/>
           <a:lstStyle/>
-          <a:p>
-            <a:pPr lvl="0">
-              <a:buNone/>
-              <a:defRPr/>
-            </a:pPr>
-            <a:r>
-              <a:rPr lang="en-US" dirty="0" smtClean="0"/>
-              <a:t>Motivation:</a:t>
-            </a:r>
-          </a:p>
-          <a:p>
-            <a:pPr lvl="0">
-              <a:defRPr/>
-            </a:pPr>
-            <a:r>
-              <a:rPr lang="en-US" dirty="0" smtClean="0"/>
-              <a:t>Current work flow(Field study of ourselves)</a:t>
-            </a:r>
-          </a:p>
-          <a:p>
-            <a:pPr lvl="0">
-              <a:defRPr/>
-            </a:pPr>
-            <a:endParaRPr lang="en-US" dirty="0" smtClean="0"/>
-          </a:p>
-          <a:p>
-            <a:pPr lvl="0">
-              <a:defRPr/>
-            </a:pPr>
-            <a:endParaRPr lang="en-US" dirty="0" smtClean="0"/>
-          </a:p>
-          <a:p>
-            <a:pPr lvl="0">
-              <a:buNone/>
-              <a:defRPr/>
-            </a:pPr>
-            <a:endParaRPr lang="en-US" dirty="0" smtClean="0"/>
-          </a:p>
-          <a:p>
-            <a:pPr lvl="0">
-              <a:defRPr/>
-            </a:pPr>
-            <a:endParaRPr lang="en-US" dirty="0" smtClean="0"/>
-          </a:p>
-          <a:p>
-            <a:pPr lvl="0">
-              <a:defRPr/>
-            </a:pPr>
-            <a:r>
-              <a:rPr lang="en-US" dirty="0" smtClean="0"/>
-              <a:t>Split into three phases</a:t>
-            </a:r>
-          </a:p>
           <a:p>
             <a:endParaRPr lang="en-US" dirty="0"/>
           </a:p>
@@ -5805,272 +5710,6 @@
       <p:sp>
         <p:nvSpPr>
           <p:cNvPr id="5" name="Titel 1"/>
-          <p:cNvSpPr txBox="1">
-            <a:spLocks/>
-          </p:cNvSpPr>
-          <p:nvPr/>
-        </p:nvSpPr>
-        <p:spPr>
-          <a:xfrm>
-            <a:off x="500034" y="714356"/>
-            <a:ext cx="8229600" cy="1143000"/>
-          </a:xfrm>
-          <a:prstGeom prst="rect">
-            <a:avLst/>
-          </a:prstGeom>
-        </p:spPr>
-        <p:txBody>
-          <a:bodyPr vert="horz" lIns="91440" tIns="45720" rIns="91440" bIns="45720" rtlCol="0" anchor="ctr">
-            <a:normAutofit/>
-          </a:bodyPr>
-          <a:lstStyle/>
-          <a:p>
-            <a:pPr marL="0" marR="0" lvl="0" indent="0" algn="ctr" defTabSz="914400" rtl="0" eaLnBrk="1" fontAlgn="auto" latinLnBrk="0" hangingPunct="1">
-              <a:lnSpc>
-                <a:spcPct val="100000"/>
-              </a:lnSpc>
-              <a:spcBef>
-                <a:spcPct val="0"/>
-              </a:spcBef>
-              <a:spcAft>
-                <a:spcPts val="0"/>
-              </a:spcAft>
-              <a:buClrTx/>
-              <a:buSzTx/>
-              <a:buFontTx/>
-              <a:buNone/>
-              <a:tabLst/>
-              <a:defRPr/>
-            </a:pPr>
-            <a:endParaRPr kumimoji="0" lang="da-DK" sz="4400" b="0" i="0" u="none" strike="noStrike" kern="1200" cap="none" spc="0" normalizeH="0" baseline="0" noProof="0" dirty="0">
-              <a:ln>
-                <a:noFill/>
-              </a:ln>
-              <a:solidFill>
-                <a:schemeClr val="tx1"/>
-              </a:solidFill>
-              <a:effectLst/>
-              <a:uLnTx/>
-              <a:uFillTx/>
-              <a:latin typeface="+mj-lt"/>
-              <a:ea typeface="+mj-ea"/>
-              <a:cs typeface="+mj-cs"/>
-            </a:endParaRPr>
-          </a:p>
-        </p:txBody>
-      </p:sp>
-      <p:sp>
-        <p:nvSpPr>
-          <p:cNvPr id="7" name="Pladsholder til diasnummer 3"/>
-          <p:cNvSpPr txBox="1">
-            <a:spLocks/>
-          </p:cNvSpPr>
-          <p:nvPr/>
-        </p:nvSpPr>
-        <p:spPr>
-          <a:xfrm>
-            <a:off x="6553200" y="6356350"/>
-            <a:ext cx="2133600" cy="365125"/>
-          </a:xfrm>
-          <a:prstGeom prst="rect">
-            <a:avLst/>
-          </a:prstGeom>
-        </p:spPr>
-        <p:txBody>
-          <a:bodyPr vert="horz" lIns="91440" tIns="45720" rIns="91440" bIns="45720" rtlCol="0" anchor="ctr"/>
-          <a:lstStyle/>
-          <a:p>
-            <a:pPr marL="0" marR="0" lvl="0" indent="0" algn="r" defTabSz="914400" rtl="0" eaLnBrk="1" fontAlgn="auto" latinLnBrk="0" hangingPunct="1">
-              <a:lnSpc>
-                <a:spcPct val="100000"/>
-              </a:lnSpc>
-              <a:spcBef>
-                <a:spcPts val="0"/>
-              </a:spcBef>
-              <a:spcAft>
-                <a:spcPts val="0"/>
-              </a:spcAft>
-              <a:buClrTx/>
-              <a:buSzTx/>
-              <a:buFontTx/>
-              <a:buNone/>
-              <a:tabLst/>
-              <a:defRPr/>
-            </a:pPr>
-            <a:fld id="{F1CA7332-4DAA-4DA0-A413-9D9496445191}" type="slidenum">
-              <a:rPr kumimoji="0" lang="da-DK" sz="1200" b="0" i="0" u="none" strike="noStrike" kern="1200" cap="none" spc="0" normalizeH="0" baseline="0" noProof="0" smtClean="0">
-                <a:ln>
-                  <a:noFill/>
-                </a:ln>
-                <a:solidFill>
-                  <a:schemeClr val="tx1">
-                    <a:tint val="75000"/>
-                  </a:schemeClr>
-                </a:solidFill>
-                <a:effectLst/>
-                <a:uLnTx/>
-                <a:uFillTx/>
-                <a:latin typeface="+mn-lt"/>
-                <a:ea typeface="+mn-ea"/>
-                <a:cs typeface="+mn-cs"/>
-              </a:rPr>
-              <a:pPr marL="0" marR="0" lvl="0" indent="0" algn="r" defTabSz="914400" rtl="0" eaLnBrk="1" fontAlgn="auto" latinLnBrk="0" hangingPunct="1">
-                <a:lnSpc>
-                  <a:spcPct val="100000"/>
-                </a:lnSpc>
-                <a:spcBef>
-                  <a:spcPts val="0"/>
-                </a:spcBef>
-                <a:spcAft>
-                  <a:spcPts val="0"/>
-                </a:spcAft>
-                <a:buClrTx/>
-                <a:buSzTx/>
-                <a:buFontTx/>
-                <a:buNone/>
-                <a:tabLst/>
-                <a:defRPr/>
-              </a:pPr>
-              <a:t>13</a:t>
-            </a:fld>
-            <a:endParaRPr kumimoji="0" lang="da-DK" sz="1200" b="0" i="0" u="none" strike="noStrike" kern="1200" cap="none" spc="0" normalizeH="0" baseline="0" noProof="0">
-              <a:ln>
-                <a:noFill/>
-              </a:ln>
-              <a:solidFill>
-                <a:schemeClr val="tx1">
-                  <a:tint val="75000"/>
-                </a:schemeClr>
-              </a:solidFill>
-              <a:effectLst/>
-              <a:uLnTx/>
-              <a:uFillTx/>
-              <a:latin typeface="+mn-lt"/>
-              <a:ea typeface="+mn-ea"/>
-              <a:cs typeface="+mn-cs"/>
-            </a:endParaRPr>
-          </a:p>
-        </p:txBody>
-      </p:sp>
-      <p:pic>
-        <p:nvPicPr>
-          <p:cNvPr id="8" name="Picture 1" descr="C:\Users\Bjarke\Desktop\SSE3\Report\pictures\3arease.jpg"/>
-          <p:cNvPicPr>
-            <a:picLocks noChangeAspect="1" noChangeArrowheads="1"/>
-          </p:cNvPicPr>
-          <p:nvPr/>
-        </p:nvPicPr>
-        <p:blipFill>
-          <a:blip r:embed="rId2" cstate="print"/>
-          <a:srcRect/>
-          <a:stretch>
-            <a:fillRect/>
-          </a:stretch>
-        </p:blipFill>
-        <p:spPr bwMode="auto">
-          <a:xfrm>
-            <a:off x="1857356" y="5598064"/>
-            <a:ext cx="5465746" cy="1259960"/>
-          </a:xfrm>
-          <a:prstGeom prst="rect">
-            <a:avLst/>
-          </a:prstGeom>
-          <a:noFill/>
-        </p:spPr>
-      </p:pic>
-      <p:pic>
-        <p:nvPicPr>
-          <p:cNvPr id="9" name="Picture 1" descr="C:\Users\Bjarke\Desktop\SSE3\Report\pictures\Workflow.jpg"/>
-          <p:cNvPicPr>
-            <a:picLocks noChangeAspect="1" noChangeArrowheads="1"/>
-          </p:cNvPicPr>
-          <p:nvPr/>
-        </p:nvPicPr>
-        <p:blipFill>
-          <a:blip r:embed="rId3" cstate="print"/>
-          <a:srcRect/>
-          <a:stretch>
-            <a:fillRect/>
-          </a:stretch>
-        </p:blipFill>
-        <p:spPr bwMode="auto">
-          <a:xfrm>
-            <a:off x="71406" y="3041828"/>
-            <a:ext cx="9001188" cy="1958808"/>
-          </a:xfrm>
-          <a:prstGeom prst="rect">
-            <a:avLst/>
-          </a:prstGeom>
-          <a:noFill/>
-        </p:spPr>
-      </p:pic>
-    </p:spTree>
-  </p:cSld>
-  <p:clrMapOvr>
-    <a:masterClrMapping/>
-  </p:clrMapOvr>
-  <p:timing>
-    <p:tnLst>
-      <p:par>
-        <p:cTn id="1" dur="indefinite" restart="never" nodeType="tmRoot"/>
-      </p:par>
-    </p:tnLst>
-  </p:timing>
-</p:sld>
-</file>
-
-<file path=ppt/slides/slide14.xml><?xml version="1.0" encoding="utf-8"?>
-<p:sld xmlns:a="http://schemas.openxmlformats.org/drawingml/2006/main" xmlns:r="http://schemas.openxmlformats.org/officeDocument/2006/relationships" xmlns:p="http://schemas.openxmlformats.org/presentationml/2006/main">
-  <p:cSld>
-    <p:spTree>
-      <p:nvGrpSpPr>
-        <p:cNvPr id="1" name=""/>
-        <p:cNvGrpSpPr/>
-        <p:nvPr/>
-      </p:nvGrpSpPr>
-      <p:grpSpPr>
-        <a:xfrm>
-          <a:off x="0" y="0"/>
-          <a:ext cx="0" cy="0"/>
-          <a:chOff x="0" y="0"/>
-          <a:chExt cx="0" cy="0"/>
-        </a:xfrm>
-      </p:grpSpPr>
-      <p:pic>
-        <p:nvPicPr>
-          <p:cNvPr id="55299" name="Picture 3"/>
-          <p:cNvPicPr>
-            <a:picLocks noChangeAspect="1" noChangeArrowheads="1"/>
-          </p:cNvPicPr>
-          <p:nvPr/>
-        </p:nvPicPr>
-        <p:blipFill>
-          <a:blip r:embed="rId2" cstate="print"/>
-          <a:srcRect/>
-          <a:stretch>
-            <a:fillRect/>
-          </a:stretch>
-        </p:blipFill>
-        <p:spPr bwMode="auto">
-          <a:xfrm>
-            <a:off x="3933847" y="3946750"/>
-            <a:ext cx="5210185" cy="2696960"/>
-          </a:xfrm>
-          <a:prstGeom prst="rect">
-            <a:avLst/>
-          </a:prstGeom>
-          <a:noFill/>
-          <a:ln w="9525">
-            <a:noFill/>
-            <a:miter lim="800000"/>
-            <a:headEnd/>
-            <a:tailEnd/>
-          </a:ln>
-        </p:spPr>
-      </p:pic>
-      <p:sp>
-        <p:nvSpPr>
-          <p:cNvPr id="2" name="Titel 1"/>
           <p:cNvSpPr>
             <a:spLocks noGrp="1"/>
           </p:cNvSpPr>
@@ -6093,544 +5732,6 @@
           </a:p>
         </p:txBody>
       </p:sp>
-      <p:sp>
-        <p:nvSpPr>
-          <p:cNvPr id="3" name="Pladsholder til indhold 2"/>
-          <p:cNvSpPr>
-            <a:spLocks noGrp="1"/>
-          </p:cNvSpPr>
-          <p:nvPr>
-            <p:ph idx="1"/>
-          </p:nvPr>
-        </p:nvSpPr>
-        <p:spPr>
-          <a:xfrm>
-            <a:off x="457200" y="1600200"/>
-            <a:ext cx="8229600" cy="5043510"/>
-          </a:xfrm>
-        </p:spPr>
-        <p:txBody>
-          <a:bodyPr>
-            <a:normAutofit/>
-          </a:bodyPr>
-          <a:lstStyle/>
-          <a:p>
-            <a:pPr>
-              <a:buNone/>
-            </a:pPr>
-            <a:r>
-              <a:rPr lang="en-US" dirty="0" smtClean="0"/>
-              <a:t>Overview:</a:t>
-            </a:r>
-          </a:p>
-          <a:p>
-            <a:r>
-              <a:rPr lang="en-US" dirty="0" smtClean="0"/>
-              <a:t>Knowledge management system</a:t>
-            </a:r>
-          </a:p>
-          <a:p>
-            <a:pPr lvl="1"/>
-            <a:r>
-              <a:rPr lang="en-US" dirty="0" smtClean="0"/>
-              <a:t>Reusing existing knowledge, Organize knowledge in projects, sharing knowledge</a:t>
-            </a:r>
-          </a:p>
-          <a:p>
-            <a:pPr>
-              <a:buNone/>
-            </a:pPr>
-            <a:endParaRPr lang="en-US" dirty="0" smtClean="0"/>
-          </a:p>
-          <a:p>
-            <a:endParaRPr lang="en-US" dirty="0"/>
-          </a:p>
-        </p:txBody>
-      </p:sp>
-      <p:sp>
-        <p:nvSpPr>
-          <p:cNvPr id="4" name="Pladsholder til diasnummer 3"/>
-          <p:cNvSpPr>
-            <a:spLocks noGrp="1"/>
-          </p:cNvSpPr>
-          <p:nvPr>
-            <p:ph type="sldNum" sz="quarter" idx="12"/>
-          </p:nvPr>
-        </p:nvSpPr>
-        <p:spPr/>
-        <p:txBody>
-          <a:bodyPr/>
-          <a:lstStyle/>
-          <a:p>
-            <a:fld id="{F1CA7332-4DAA-4DA0-A413-9D9496445191}" type="slidenum">
-              <a:rPr lang="da-DK" smtClean="0"/>
-              <a:pPr/>
-              <a:t>14</a:t>
-            </a:fld>
-            <a:endParaRPr lang="da-DK"/>
-          </a:p>
-        </p:txBody>
-      </p:sp>
-      <p:pic>
-        <p:nvPicPr>
-          <p:cNvPr id="55298" name="Picture 2"/>
-          <p:cNvPicPr>
-            <a:picLocks noChangeAspect="1" noChangeArrowheads="1"/>
-          </p:cNvPicPr>
-          <p:nvPr/>
-        </p:nvPicPr>
-        <p:blipFill>
-          <a:blip r:embed="rId3" cstate="print"/>
-          <a:srcRect/>
-          <a:stretch>
-            <a:fillRect/>
-          </a:stretch>
-        </p:blipFill>
-        <p:spPr bwMode="auto">
-          <a:xfrm>
-            <a:off x="571472" y="4362460"/>
-            <a:ext cx="2386940" cy="1495432"/>
-          </a:xfrm>
-          <a:prstGeom prst="rect">
-            <a:avLst/>
-          </a:prstGeom>
-          <a:noFill/>
-          <a:ln w="9525">
-            <a:noFill/>
-            <a:miter lim="800000"/>
-            <a:headEnd/>
-            <a:tailEnd/>
-          </a:ln>
-        </p:spPr>
-      </p:pic>
-    </p:spTree>
-  </p:cSld>
-  <p:clrMapOvr>
-    <a:masterClrMapping/>
-  </p:clrMapOvr>
-  <p:timing>
-    <p:tnLst>
-      <p:par>
-        <p:cTn id="1" dur="indefinite" restart="never" nodeType="tmRoot"/>
-      </p:par>
-    </p:tnLst>
-  </p:timing>
-</p:sld>
-</file>
-
-<file path=ppt/slides/slide15.xml><?xml version="1.0" encoding="utf-8"?>
-<p:sld xmlns:a="http://schemas.openxmlformats.org/drawingml/2006/main" xmlns:r="http://schemas.openxmlformats.org/officeDocument/2006/relationships" xmlns:p="http://schemas.openxmlformats.org/presentationml/2006/main">
-  <p:cSld>
-    <p:spTree>
-      <p:nvGrpSpPr>
-        <p:cNvPr id="1" name=""/>
-        <p:cNvGrpSpPr/>
-        <p:nvPr/>
-      </p:nvGrpSpPr>
-      <p:grpSpPr>
-        <a:xfrm>
-          <a:off x="0" y="0"/>
-          <a:ext cx="0" cy="0"/>
-          <a:chOff x="0" y="0"/>
-          <a:chExt cx="0" cy="0"/>
-        </a:xfrm>
-      </p:grpSpPr>
-      <p:sp>
-        <p:nvSpPr>
-          <p:cNvPr id="2" name="Titel 1"/>
-          <p:cNvSpPr>
-            <a:spLocks noGrp="1"/>
-          </p:cNvSpPr>
-          <p:nvPr>
-            <p:ph type="title"/>
-          </p:nvPr>
-        </p:nvSpPr>
-        <p:spPr/>
-        <p:txBody>
-          <a:bodyPr/>
-          <a:lstStyle/>
-          <a:p>
-            <a:r>
-              <a:rPr lang="en-US" dirty="0" smtClean="0"/>
-              <a:t>The project</a:t>
-            </a:r>
-            <a:endParaRPr lang="en-US" dirty="0"/>
-          </a:p>
-        </p:txBody>
-      </p:sp>
-      <p:sp>
-        <p:nvSpPr>
-          <p:cNvPr id="3" name="Pladsholder til indhold 2"/>
-          <p:cNvSpPr>
-            <a:spLocks noGrp="1"/>
-          </p:cNvSpPr>
-          <p:nvPr>
-            <p:ph idx="1"/>
-          </p:nvPr>
-        </p:nvSpPr>
-        <p:spPr/>
-        <p:txBody>
-          <a:bodyPr/>
-          <a:lstStyle/>
-          <a:p>
-            <a:pPr>
-              <a:buNone/>
-            </a:pPr>
-            <a:r>
-              <a:rPr lang="en-US" dirty="0" smtClean="0"/>
-              <a:t>Overview:</a:t>
-            </a:r>
-          </a:p>
-          <a:p>
-            <a:r>
-              <a:rPr lang="en-US" dirty="0" smtClean="0"/>
-              <a:t>Hypertext concepts</a:t>
-            </a:r>
-          </a:p>
-          <a:p>
-            <a:pPr lvl="1"/>
-            <a:r>
-              <a:rPr lang="en-US" dirty="0" smtClean="0"/>
-              <a:t>Links, anchors, different structures of information</a:t>
-            </a:r>
-          </a:p>
-          <a:p>
-            <a:pPr>
-              <a:buNone/>
-            </a:pPr>
-            <a:endParaRPr lang="en-US" dirty="0" smtClean="0"/>
-          </a:p>
-          <a:p>
-            <a:endParaRPr lang="en-US" dirty="0"/>
-          </a:p>
-        </p:txBody>
-      </p:sp>
-      <p:sp>
-        <p:nvSpPr>
-          <p:cNvPr id="4" name="Pladsholder til diasnummer 3"/>
-          <p:cNvSpPr>
-            <a:spLocks noGrp="1"/>
-          </p:cNvSpPr>
-          <p:nvPr>
-            <p:ph type="sldNum" sz="quarter" idx="12"/>
-          </p:nvPr>
-        </p:nvSpPr>
-        <p:spPr/>
-        <p:txBody>
-          <a:bodyPr/>
-          <a:lstStyle/>
-          <a:p>
-            <a:fld id="{F1CA7332-4DAA-4DA0-A413-9D9496445191}" type="slidenum">
-              <a:rPr lang="da-DK" smtClean="0"/>
-              <a:pPr/>
-              <a:t>15</a:t>
-            </a:fld>
-            <a:endParaRPr lang="da-DK"/>
-          </a:p>
-        </p:txBody>
-      </p:sp>
-      <p:pic>
-        <p:nvPicPr>
-          <p:cNvPr id="56322" name="Picture 2" descr="C:\Users\Bjarke\Desktop\SSE3\Report\pictures\metaLink.jpg"/>
-          <p:cNvPicPr>
-            <a:picLocks noChangeAspect="1" noChangeArrowheads="1"/>
-          </p:cNvPicPr>
-          <p:nvPr/>
-        </p:nvPicPr>
-        <p:blipFill>
-          <a:blip r:embed="rId2" cstate="print"/>
-          <a:srcRect/>
-          <a:stretch>
-            <a:fillRect/>
-          </a:stretch>
-        </p:blipFill>
-        <p:spPr bwMode="auto">
-          <a:xfrm>
-            <a:off x="1285852" y="3786190"/>
-            <a:ext cx="6586556" cy="2853114"/>
-          </a:xfrm>
-          <a:prstGeom prst="rect">
-            <a:avLst/>
-          </a:prstGeom>
-          <a:noFill/>
-        </p:spPr>
-      </p:pic>
-    </p:spTree>
-  </p:cSld>
-  <p:clrMapOvr>
-    <a:masterClrMapping/>
-  </p:clrMapOvr>
-  <p:timing>
-    <p:tnLst>
-      <p:par>
-        <p:cTn id="1" dur="indefinite" restart="never" nodeType="tmRoot"/>
-      </p:par>
-    </p:tnLst>
-  </p:timing>
-</p:sld>
-</file>
-
-<file path=ppt/slides/slide16.xml><?xml version="1.0" encoding="utf-8"?>
-<p:sld xmlns:a="http://schemas.openxmlformats.org/drawingml/2006/main" xmlns:r="http://schemas.openxmlformats.org/officeDocument/2006/relationships" xmlns:p="http://schemas.openxmlformats.org/presentationml/2006/main">
-  <p:cSld>
-    <p:spTree>
-      <p:nvGrpSpPr>
-        <p:cNvPr id="1" name=""/>
-        <p:cNvGrpSpPr/>
-        <p:nvPr/>
-      </p:nvGrpSpPr>
-      <p:grpSpPr>
-        <a:xfrm>
-          <a:off x="0" y="0"/>
-          <a:ext cx="0" cy="0"/>
-          <a:chOff x="0" y="0"/>
-          <a:chExt cx="0" cy="0"/>
-        </a:xfrm>
-      </p:grpSpPr>
-      <p:sp>
-        <p:nvSpPr>
-          <p:cNvPr id="2" name="Titel 1"/>
-          <p:cNvSpPr>
-            <a:spLocks noGrp="1"/>
-          </p:cNvSpPr>
-          <p:nvPr>
-            <p:ph type="title"/>
-          </p:nvPr>
-        </p:nvSpPr>
-        <p:spPr/>
-        <p:txBody>
-          <a:bodyPr/>
-          <a:lstStyle/>
-          <a:p>
-            <a:r>
-              <a:rPr lang="en-US" dirty="0" smtClean="0"/>
-              <a:t>The project</a:t>
-            </a:r>
-            <a:endParaRPr lang="en-US" dirty="0"/>
-          </a:p>
-        </p:txBody>
-      </p:sp>
-      <p:sp>
-        <p:nvSpPr>
-          <p:cNvPr id="3" name="Pladsholder til indhold 2"/>
-          <p:cNvSpPr>
-            <a:spLocks noGrp="1"/>
-          </p:cNvSpPr>
-          <p:nvPr>
-            <p:ph idx="1"/>
-          </p:nvPr>
-        </p:nvSpPr>
-        <p:spPr/>
-        <p:txBody>
-          <a:bodyPr/>
-          <a:lstStyle/>
-          <a:p>
-            <a:pPr>
-              <a:buNone/>
-            </a:pPr>
-            <a:r>
-              <a:rPr lang="en-US" dirty="0" smtClean="0"/>
-              <a:t>Overview</a:t>
-            </a:r>
-          </a:p>
-          <a:p>
-            <a:r>
-              <a:rPr lang="en-US" dirty="0" smtClean="0"/>
-              <a:t>Computer supported cooperative work</a:t>
-            </a:r>
-          </a:p>
-          <a:p>
-            <a:pPr lvl="1"/>
-            <a:r>
-              <a:rPr lang="en-US" dirty="0" smtClean="0"/>
-              <a:t>Planning, Shared information space, asynchronous cooperation on documents, notifications</a:t>
-            </a:r>
-          </a:p>
-          <a:p>
-            <a:endParaRPr lang="en-US" dirty="0"/>
-          </a:p>
-        </p:txBody>
-      </p:sp>
-      <p:sp>
-        <p:nvSpPr>
-          <p:cNvPr id="4" name="Pladsholder til diasnummer 3"/>
-          <p:cNvSpPr>
-            <a:spLocks noGrp="1"/>
-          </p:cNvSpPr>
-          <p:nvPr>
-            <p:ph type="sldNum" sz="quarter" idx="12"/>
-          </p:nvPr>
-        </p:nvSpPr>
-        <p:spPr/>
-        <p:txBody>
-          <a:bodyPr/>
-          <a:lstStyle/>
-          <a:p>
-            <a:fld id="{F1CA7332-4DAA-4DA0-A413-9D9496445191}" type="slidenum">
-              <a:rPr lang="da-DK" smtClean="0"/>
-              <a:pPr/>
-              <a:t>16</a:t>
-            </a:fld>
-            <a:endParaRPr lang="da-DK"/>
-          </a:p>
-        </p:txBody>
-      </p:sp>
-      <p:pic>
-        <p:nvPicPr>
-          <p:cNvPr id="5" name="Picture 2" descr="C:\Users\Bjarke\Desktop\SSE3\Report\pictures\SIP.jpg"/>
-          <p:cNvPicPr>
-            <a:picLocks noChangeAspect="1" noChangeArrowheads="1"/>
-          </p:cNvPicPr>
-          <p:nvPr/>
-        </p:nvPicPr>
-        <p:blipFill>
-          <a:blip r:embed="rId2" cstate="print"/>
-          <a:srcRect/>
-          <a:stretch>
-            <a:fillRect/>
-          </a:stretch>
-        </p:blipFill>
-        <p:spPr bwMode="auto">
-          <a:xfrm>
-            <a:off x="2214546" y="3929066"/>
-            <a:ext cx="4572033" cy="2673589"/>
-          </a:xfrm>
-          <a:prstGeom prst="rect">
-            <a:avLst/>
-          </a:prstGeom>
-          <a:noFill/>
-        </p:spPr>
-      </p:pic>
-    </p:spTree>
-  </p:cSld>
-  <p:clrMapOvr>
-    <a:masterClrMapping/>
-  </p:clrMapOvr>
-  <p:timing>
-    <p:tnLst>
-      <p:par>
-        <p:cTn id="1" dur="indefinite" restart="never" nodeType="tmRoot"/>
-      </p:par>
-    </p:tnLst>
-  </p:timing>
-</p:sld>
-</file>
-
-<file path=ppt/slides/slide17.xml><?xml version="1.0" encoding="utf-8"?>
-<p:sld xmlns:a="http://schemas.openxmlformats.org/drawingml/2006/main" xmlns:r="http://schemas.openxmlformats.org/officeDocument/2006/relationships" xmlns:p="http://schemas.openxmlformats.org/presentationml/2006/main">
-  <p:cSld>
-    <p:spTree>
-      <p:nvGrpSpPr>
-        <p:cNvPr id="1" name=""/>
-        <p:cNvGrpSpPr/>
-        <p:nvPr/>
-      </p:nvGrpSpPr>
-      <p:grpSpPr>
-        <a:xfrm>
-          <a:off x="0" y="0"/>
-          <a:ext cx="0" cy="0"/>
-          <a:chOff x="0" y="0"/>
-          <a:chExt cx="0" cy="0"/>
-        </a:xfrm>
-      </p:grpSpPr>
-      <p:sp>
-        <p:nvSpPr>
-          <p:cNvPr id="3" name="Pladsholder til indhold 2"/>
-          <p:cNvSpPr>
-            <a:spLocks noGrp="1"/>
-          </p:cNvSpPr>
-          <p:nvPr>
-            <p:ph idx="1"/>
-          </p:nvPr>
-        </p:nvSpPr>
-        <p:spPr/>
-        <p:txBody>
-          <a:bodyPr/>
-          <a:lstStyle/>
-          <a:p>
-            <a:r>
-              <a:rPr lang="en-US" dirty="0" smtClean="0"/>
-              <a:t>New work flow With the use of the system</a:t>
-            </a:r>
-            <a:endParaRPr lang="en-US" dirty="0"/>
-          </a:p>
-        </p:txBody>
-      </p:sp>
-      <p:sp>
-        <p:nvSpPr>
-          <p:cNvPr id="4" name="Pladsholder til diasnummer 3"/>
-          <p:cNvSpPr>
-            <a:spLocks noGrp="1"/>
-          </p:cNvSpPr>
-          <p:nvPr>
-            <p:ph type="sldNum" sz="quarter" idx="12"/>
-          </p:nvPr>
-        </p:nvSpPr>
-        <p:spPr/>
-        <p:txBody>
-          <a:bodyPr/>
-          <a:lstStyle/>
-          <a:p>
-            <a:fld id="{F1CA7332-4DAA-4DA0-A413-9D9496445191}" type="slidenum">
-              <a:rPr lang="da-DK" smtClean="0"/>
-              <a:pPr/>
-              <a:t>17</a:t>
-            </a:fld>
-            <a:endParaRPr lang="da-DK"/>
-          </a:p>
-        </p:txBody>
-      </p:sp>
-      <p:sp>
-        <p:nvSpPr>
-          <p:cNvPr id="5" name="Titel 1"/>
-          <p:cNvSpPr>
-            <a:spLocks noGrp="1"/>
-          </p:cNvSpPr>
-          <p:nvPr>
-            <p:ph type="title"/>
-          </p:nvPr>
-        </p:nvSpPr>
-        <p:spPr/>
-        <p:txBody>
-          <a:bodyPr>
-            <a:normAutofit/>
-          </a:bodyPr>
-          <a:lstStyle/>
-          <a:p>
-            <a:r>
-              <a:rPr lang="en-US" dirty="0" smtClean="0"/>
-              <a:t>The project</a:t>
-            </a:r>
-            <a:endParaRPr lang="da-DK" dirty="0"/>
-          </a:p>
-        </p:txBody>
-      </p:sp>
-      <p:pic>
-        <p:nvPicPr>
-          <p:cNvPr id="31746" name="Picture 2" descr="C:\Users\Bjarke\Desktop\SSE3\Report\pictures\NEWWorkflow.jpg"/>
-          <p:cNvPicPr>
-            <a:picLocks noChangeAspect="1" noChangeArrowheads="1"/>
-          </p:cNvPicPr>
-          <p:nvPr/>
-        </p:nvPicPr>
-        <p:blipFill>
-          <a:blip r:embed="rId2" cstate="print"/>
-          <a:srcRect/>
-          <a:stretch>
-            <a:fillRect/>
-          </a:stretch>
-        </p:blipFill>
-        <p:spPr bwMode="auto">
-          <a:xfrm>
-            <a:off x="928662" y="2752740"/>
-            <a:ext cx="7239000" cy="2819400"/>
-          </a:xfrm>
-          <a:prstGeom prst="rect">
-            <a:avLst/>
-          </a:prstGeom>
-          <a:noFill/>
-        </p:spPr>
-      </p:pic>
     </p:spTree>
   </p:cSld>
   <p:clrMapOvr>

--- a/SSE3/MartinPresentation/SSE3_4.pptx
+++ b/SSE3/MartinPresentation/SSE3_4.pptx
@@ -5,7 +5,7 @@
     <p:sldMasterId id="2147483648" r:id="rId1"/>
   </p:sldMasterIdLst>
   <p:notesMasterIdLst>
-    <p:notesMasterId r:id="rId15"/>
+    <p:notesMasterId r:id="rId18"/>
   </p:notesMasterIdLst>
   <p:sldIdLst>
     <p:sldId id="256" r:id="rId2"/>
@@ -20,7 +20,10 @@
     <p:sldId id="264" r:id="rId11"/>
     <p:sldId id="266" r:id="rId12"/>
     <p:sldId id="267" r:id="rId13"/>
-    <p:sldId id="273" r:id="rId14"/>
+    <p:sldId id="275" r:id="rId14"/>
+    <p:sldId id="276" r:id="rId15"/>
+    <p:sldId id="277" r:id="rId16"/>
+    <p:sldId id="278" r:id="rId17"/>
   </p:sldIdLst>
   <p:sldSz cx="9144000" cy="6858000" type="screen4x3"/>
   <p:notesSz cx="6858000" cy="9144000"/>
@@ -205,7 +208,7 @@
             <a:fld id="{74E21A3D-80CD-48E3-AE5F-42F60B33C6B3}" type="datetimeFigureOut">
               <a:rPr lang="da-DK" smtClean="0"/>
               <a:pPr/>
-              <a:t>25-08-2010</a:t>
+              <a:t>26-08-2010</a:t>
             </a:fld>
             <a:endParaRPr lang="en-US"/>
           </a:p>
@@ -367,13 +370,18 @@
             <a:fld id="{B66147B6-BBD7-4AD8-8D2D-42851BD58938}" type="slidenum">
               <a:rPr lang="en-US" smtClean="0"/>
               <a:pPr/>
-              <a:t>‹nr.›</a:t>
+              <a:t>‹#›</a:t>
             </a:fld>
             <a:endParaRPr lang="en-US"/>
           </a:p>
         </p:txBody>
       </p:sp>
     </p:spTree>
+    <p:extLst>
+      <p:ext uri="{BB962C8B-B14F-4D97-AF65-F5344CB8AC3E}">
+        <p14:creationId xmlns:p14="http://schemas.microsoft.com/office/powerpoint/2010/main" val="2996068748"/>
+      </p:ext>
+    </p:extLst>
   </p:cSld>
   <p:clrMap bg1="lt1" tx1="dk1" bg2="lt2" tx2="dk2" accent1="accent1" accent2="accent2" accent3="accent3" accent4="accent4" accent5="accent5" accent6="accent6" hlink="hlink" folHlink="folHlink"/>
   <p:notesStyle>
@@ -887,6 +895,174 @@
 </p:notes>
 </file>
 
+<file path=ppt/notesSlides/notesSlide12.xml><?xml version="1.0" encoding="utf-8"?>
+<p:notes xmlns:a="http://schemas.openxmlformats.org/drawingml/2006/main" xmlns:r="http://schemas.openxmlformats.org/officeDocument/2006/relationships" xmlns:p="http://schemas.openxmlformats.org/presentationml/2006/main">
+  <p:cSld>
+    <p:spTree>
+      <p:nvGrpSpPr>
+        <p:cNvPr id="1" name=""/>
+        <p:cNvGrpSpPr/>
+        <p:nvPr/>
+      </p:nvGrpSpPr>
+      <p:grpSpPr>
+        <a:xfrm>
+          <a:off x="0" y="0"/>
+          <a:ext cx="0" cy="0"/>
+          <a:chOff x="0" y="0"/>
+          <a:chExt cx="0" cy="0"/>
+        </a:xfrm>
+      </p:grpSpPr>
+      <p:sp>
+        <p:nvSpPr>
+          <p:cNvPr id="2" name="Slide Image Placeholder 1"/>
+          <p:cNvSpPr>
+            <a:spLocks noGrp="1" noRot="1" noChangeAspect="1"/>
+          </p:cNvSpPr>
+          <p:nvPr>
+            <p:ph type="sldImg"/>
+          </p:nvPr>
+        </p:nvSpPr>
+        <p:spPr/>
+      </p:sp>
+      <p:sp>
+        <p:nvSpPr>
+          <p:cNvPr id="3" name="Notes Placeholder 2"/>
+          <p:cNvSpPr>
+            <a:spLocks noGrp="1"/>
+          </p:cNvSpPr>
+          <p:nvPr>
+            <p:ph type="body" idx="1"/>
+          </p:nvPr>
+        </p:nvSpPr>
+        <p:spPr/>
+        <p:txBody>
+          <a:bodyPr/>
+          <a:lstStyle/>
+          <a:p>
+            <a:endParaRPr lang="en-US" dirty="0"/>
+          </a:p>
+        </p:txBody>
+      </p:sp>
+      <p:sp>
+        <p:nvSpPr>
+          <p:cNvPr id="4" name="Slide Number Placeholder 3"/>
+          <p:cNvSpPr>
+            <a:spLocks noGrp="1"/>
+          </p:cNvSpPr>
+          <p:nvPr>
+            <p:ph type="sldNum" sz="quarter" idx="10"/>
+          </p:nvPr>
+        </p:nvSpPr>
+        <p:spPr/>
+        <p:txBody>
+          <a:bodyPr/>
+          <a:lstStyle/>
+          <a:p>
+            <a:fld id="{F9038DF4-9DF2-47DC-8E83-7FCFB3429243}" type="slidenum">
+              <a:rPr lang="en-US" smtClean="0"/>
+              <a:t>14</a:t>
+            </a:fld>
+            <a:endParaRPr lang="en-US"/>
+          </a:p>
+        </p:txBody>
+      </p:sp>
+    </p:spTree>
+    <p:extLst>
+      <p:ext uri="{BB962C8B-B14F-4D97-AF65-F5344CB8AC3E}">
+        <p14:creationId xmlns:p14="http://schemas.microsoft.com/office/powerpoint/2010/main" val="982768302"/>
+      </p:ext>
+    </p:extLst>
+  </p:cSld>
+  <p:clrMapOvr>
+    <a:masterClrMapping/>
+  </p:clrMapOvr>
+</p:notes>
+</file>
+
+<file path=ppt/notesSlides/notesSlide13.xml><?xml version="1.0" encoding="utf-8"?>
+<p:notes xmlns:a="http://schemas.openxmlformats.org/drawingml/2006/main" xmlns:r="http://schemas.openxmlformats.org/officeDocument/2006/relationships" xmlns:p="http://schemas.openxmlformats.org/presentationml/2006/main">
+  <p:cSld>
+    <p:spTree>
+      <p:nvGrpSpPr>
+        <p:cNvPr id="1" name=""/>
+        <p:cNvGrpSpPr/>
+        <p:nvPr/>
+      </p:nvGrpSpPr>
+      <p:grpSpPr>
+        <a:xfrm>
+          <a:off x="0" y="0"/>
+          <a:ext cx="0" cy="0"/>
+          <a:chOff x="0" y="0"/>
+          <a:chExt cx="0" cy="0"/>
+        </a:xfrm>
+      </p:grpSpPr>
+      <p:sp>
+        <p:nvSpPr>
+          <p:cNvPr id="2" name="Slide Image Placeholder 1"/>
+          <p:cNvSpPr>
+            <a:spLocks noGrp="1" noRot="1" noChangeAspect="1"/>
+          </p:cNvSpPr>
+          <p:nvPr>
+            <p:ph type="sldImg"/>
+          </p:nvPr>
+        </p:nvSpPr>
+        <p:spPr/>
+      </p:sp>
+      <p:sp>
+        <p:nvSpPr>
+          <p:cNvPr id="3" name="Notes Placeholder 2"/>
+          <p:cNvSpPr>
+            <a:spLocks noGrp="1"/>
+          </p:cNvSpPr>
+          <p:nvPr>
+            <p:ph type="body" idx="1"/>
+          </p:nvPr>
+        </p:nvSpPr>
+        <p:spPr/>
+        <p:txBody>
+          <a:bodyPr/>
+          <a:lstStyle/>
+          <a:p>
+            <a:endParaRPr lang="en-US" dirty="0"/>
+          </a:p>
+        </p:txBody>
+      </p:sp>
+      <p:sp>
+        <p:nvSpPr>
+          <p:cNvPr id="4" name="Slide Number Placeholder 3"/>
+          <p:cNvSpPr>
+            <a:spLocks noGrp="1"/>
+          </p:cNvSpPr>
+          <p:nvPr>
+            <p:ph type="sldNum" sz="quarter" idx="10"/>
+          </p:nvPr>
+        </p:nvSpPr>
+        <p:spPr/>
+        <p:txBody>
+          <a:bodyPr/>
+          <a:lstStyle/>
+          <a:p>
+            <a:fld id="{F9038DF4-9DF2-47DC-8E83-7FCFB3429243}" type="slidenum">
+              <a:rPr lang="en-US" smtClean="0"/>
+              <a:t>16</a:t>
+            </a:fld>
+            <a:endParaRPr lang="en-US"/>
+          </a:p>
+        </p:txBody>
+      </p:sp>
+    </p:spTree>
+    <p:extLst>
+      <p:ext uri="{BB962C8B-B14F-4D97-AF65-F5344CB8AC3E}">
+        <p14:creationId xmlns:p14="http://schemas.microsoft.com/office/powerpoint/2010/main" val="982768302"/>
+      </p:ext>
+    </p:extLst>
+  </p:cSld>
+  <p:clrMapOvr>
+    <a:masterClrMapping/>
+  </p:clrMapOvr>
+</p:notes>
+</file>
+
 <file path=ppt/notesSlides/notesSlide2.xml><?xml version="1.0" encoding="utf-8"?>
 <p:notes xmlns:a="http://schemas.openxmlformats.org/drawingml/2006/main" xmlns:r="http://schemas.openxmlformats.org/officeDocument/2006/relationships" xmlns:p="http://schemas.openxmlformats.org/presentationml/2006/main">
   <p:cSld>
@@ -2309,7 +2485,7 @@
             <a:fld id="{3E544EA0-8A63-469E-897E-4A3C6061B19F}" type="datetime1">
               <a:rPr lang="da-DK" smtClean="0"/>
               <a:pPr/>
-              <a:t>25-08-2010</a:t>
+              <a:t>26-08-2010</a:t>
             </a:fld>
             <a:endParaRPr lang="en-US"/>
           </a:p>
@@ -2352,7 +2528,7 @@
             <a:fld id="{FE06C221-3210-403E-B4BF-5E8518D60002}" type="slidenum">
               <a:rPr lang="en-US" smtClean="0"/>
               <a:pPr/>
-              <a:t>‹nr.›</a:t>
+              <a:t>‹#›</a:t>
             </a:fld>
             <a:endParaRPr lang="en-US"/>
           </a:p>
@@ -2476,7 +2652,7 @@
             <a:fld id="{07BCC79A-4E36-4D31-9168-26EF56BCC2B9}" type="datetime1">
               <a:rPr lang="da-DK" smtClean="0"/>
               <a:pPr/>
-              <a:t>25-08-2010</a:t>
+              <a:t>26-08-2010</a:t>
             </a:fld>
             <a:endParaRPr lang="en-US"/>
           </a:p>
@@ -2519,7 +2695,7 @@
             <a:fld id="{FE06C221-3210-403E-B4BF-5E8518D60002}" type="slidenum">
               <a:rPr lang="en-US" smtClean="0"/>
               <a:pPr/>
-              <a:t>‹nr.›</a:t>
+              <a:t>‹#›</a:t>
             </a:fld>
             <a:endParaRPr lang="en-US"/>
           </a:p>
@@ -2653,7 +2829,7 @@
             <a:fld id="{2C573AB5-2378-427B-BBA3-75D2E5FE2552}" type="datetime1">
               <a:rPr lang="da-DK" smtClean="0"/>
               <a:pPr/>
-              <a:t>25-08-2010</a:t>
+              <a:t>26-08-2010</a:t>
             </a:fld>
             <a:endParaRPr lang="en-US"/>
           </a:p>
@@ -2696,7 +2872,7 @@
             <a:fld id="{FE06C221-3210-403E-B4BF-5E8518D60002}" type="slidenum">
               <a:rPr lang="en-US" smtClean="0"/>
               <a:pPr/>
-              <a:t>‹nr.›</a:t>
+              <a:t>‹#›</a:t>
             </a:fld>
             <a:endParaRPr lang="en-US"/>
           </a:p>
@@ -2820,7 +2996,7 @@
             <a:fld id="{22813628-F84E-4ABC-A90B-EA849AAD6FE0}" type="datetime1">
               <a:rPr lang="da-DK" smtClean="0"/>
               <a:pPr/>
-              <a:t>25-08-2010</a:t>
+              <a:t>26-08-2010</a:t>
             </a:fld>
             <a:endParaRPr lang="en-US"/>
           </a:p>
@@ -2863,7 +3039,7 @@
             <a:fld id="{FE06C221-3210-403E-B4BF-5E8518D60002}" type="slidenum">
               <a:rPr lang="en-US" smtClean="0"/>
               <a:pPr/>
-              <a:t>‹nr.›</a:t>
+              <a:t>‹#›</a:t>
             </a:fld>
             <a:endParaRPr lang="en-US"/>
           </a:p>
@@ -3063,7 +3239,7 @@
             <a:fld id="{64682A16-5873-4A6E-A4A9-459CA23C5540}" type="datetime1">
               <a:rPr lang="da-DK" smtClean="0"/>
               <a:pPr/>
-              <a:t>25-08-2010</a:t>
+              <a:t>26-08-2010</a:t>
             </a:fld>
             <a:endParaRPr lang="en-US"/>
           </a:p>
@@ -3106,7 +3282,7 @@
             <a:fld id="{FE06C221-3210-403E-B4BF-5E8518D60002}" type="slidenum">
               <a:rPr lang="en-US" smtClean="0"/>
               <a:pPr/>
-              <a:t>‹nr.›</a:t>
+              <a:t>‹#›</a:t>
             </a:fld>
             <a:endParaRPr lang="en-US"/>
           </a:p>
@@ -3348,7 +3524,7 @@
             <a:fld id="{97F2EB18-94CB-4C60-BDD4-89B5A6F06E44}" type="datetime1">
               <a:rPr lang="da-DK" smtClean="0"/>
               <a:pPr/>
-              <a:t>25-08-2010</a:t>
+              <a:t>26-08-2010</a:t>
             </a:fld>
             <a:endParaRPr lang="en-US"/>
           </a:p>
@@ -3391,7 +3567,7 @@
             <a:fld id="{FE06C221-3210-403E-B4BF-5E8518D60002}" type="slidenum">
               <a:rPr lang="en-US" smtClean="0"/>
               <a:pPr/>
-              <a:t>‹nr.›</a:t>
+              <a:t>‹#›</a:t>
             </a:fld>
             <a:endParaRPr lang="en-US"/>
           </a:p>
@@ -3767,7 +3943,7 @@
             <a:fld id="{9BF7A5E8-D5F5-4E2D-BD56-025D30271B34}" type="datetime1">
               <a:rPr lang="da-DK" smtClean="0"/>
               <a:pPr/>
-              <a:t>25-08-2010</a:t>
+              <a:t>26-08-2010</a:t>
             </a:fld>
             <a:endParaRPr lang="en-US"/>
           </a:p>
@@ -3810,7 +3986,7 @@
             <a:fld id="{FE06C221-3210-403E-B4BF-5E8518D60002}" type="slidenum">
               <a:rPr lang="en-US" smtClean="0"/>
               <a:pPr/>
-              <a:t>‹nr.›</a:t>
+              <a:t>‹#›</a:t>
             </a:fld>
             <a:endParaRPr lang="en-US"/>
           </a:p>
@@ -3882,7 +4058,7 @@
             <a:fld id="{C46C8564-30FB-42D7-8EAC-37BB92371089}" type="datetime1">
               <a:rPr lang="da-DK" smtClean="0"/>
               <a:pPr/>
-              <a:t>25-08-2010</a:t>
+              <a:t>26-08-2010</a:t>
             </a:fld>
             <a:endParaRPr lang="en-US"/>
           </a:p>
@@ -3925,7 +4101,7 @@
             <a:fld id="{FE06C221-3210-403E-B4BF-5E8518D60002}" type="slidenum">
               <a:rPr lang="en-US" smtClean="0"/>
               <a:pPr/>
-              <a:t>‹nr.›</a:t>
+              <a:t>‹#›</a:t>
             </a:fld>
             <a:endParaRPr lang="en-US"/>
           </a:p>
@@ -3974,7 +4150,7 @@
             <a:fld id="{B95499B0-EC59-49AD-8134-EA4249367342}" type="datetime1">
               <a:rPr lang="da-DK" smtClean="0"/>
               <a:pPr/>
-              <a:t>25-08-2010</a:t>
+              <a:t>26-08-2010</a:t>
             </a:fld>
             <a:endParaRPr lang="en-US"/>
           </a:p>
@@ -4017,7 +4193,7 @@
             <a:fld id="{FE06C221-3210-403E-B4BF-5E8518D60002}" type="slidenum">
               <a:rPr lang="en-US" smtClean="0"/>
               <a:pPr/>
-              <a:t>‹nr.›</a:t>
+              <a:t>‹#›</a:t>
             </a:fld>
             <a:endParaRPr lang="en-US"/>
           </a:p>
@@ -4248,7 +4424,7 @@
             <a:fld id="{0EFFC988-13E9-4EAE-A4EB-DA2BF0497013}" type="datetime1">
               <a:rPr lang="da-DK" smtClean="0"/>
               <a:pPr/>
-              <a:t>25-08-2010</a:t>
+              <a:t>26-08-2010</a:t>
             </a:fld>
             <a:endParaRPr lang="en-US"/>
           </a:p>
@@ -4291,7 +4467,7 @@
             <a:fld id="{FE06C221-3210-403E-B4BF-5E8518D60002}" type="slidenum">
               <a:rPr lang="en-US" smtClean="0"/>
               <a:pPr/>
-              <a:t>‹nr.›</a:t>
+              <a:t>‹#›</a:t>
             </a:fld>
             <a:endParaRPr lang="en-US"/>
           </a:p>
@@ -4498,7 +4674,7 @@
             <a:fld id="{E18BA081-7B04-4C6F-995B-F6EB68A85820}" type="datetime1">
               <a:rPr lang="da-DK" smtClean="0"/>
               <a:pPr/>
-              <a:t>25-08-2010</a:t>
+              <a:t>26-08-2010</a:t>
             </a:fld>
             <a:endParaRPr lang="en-US"/>
           </a:p>
@@ -4541,7 +4717,7 @@
             <a:fld id="{FE06C221-3210-403E-B4BF-5E8518D60002}" type="slidenum">
               <a:rPr lang="en-US" smtClean="0"/>
               <a:pPr/>
-              <a:t>‹nr.›</a:t>
+              <a:t>‹#›</a:t>
             </a:fld>
             <a:endParaRPr lang="en-US"/>
           </a:p>
@@ -4708,7 +4884,7 @@
             <a:fld id="{A9A24434-CA81-455D-9706-AC9F700F014C}" type="datetime1">
               <a:rPr lang="da-DK" smtClean="0"/>
               <a:pPr/>
-              <a:t>25-08-2010</a:t>
+              <a:t>26-08-2010</a:t>
             </a:fld>
             <a:endParaRPr lang="en-US"/>
           </a:p>
@@ -4787,7 +4963,7 @@
             <a:fld id="{FE06C221-3210-403E-B4BF-5E8518D60002}" type="slidenum">
               <a:rPr lang="en-US" smtClean="0"/>
               <a:pPr/>
-              <a:t>‹nr.›</a:t>
+              <a:t>‹#›</a:t>
             </a:fld>
             <a:endParaRPr lang="en-US"/>
           </a:p>
@@ -5666,6 +5842,29 @@
       </p:grpSpPr>
       <p:sp>
         <p:nvSpPr>
+          <p:cNvPr id="2" name="Titel 1"/>
+          <p:cNvSpPr>
+            <a:spLocks noGrp="1"/>
+          </p:cNvSpPr>
+          <p:nvPr>
+            <p:ph type="title"/>
+          </p:nvPr>
+        </p:nvSpPr>
+        <p:spPr/>
+        <p:txBody>
+          <a:bodyPr/>
+          <a:lstStyle/>
+          <a:p>
+            <a:r>
+              <a:rPr lang="en-US" dirty="0" smtClean="0"/>
+              <a:t>Project</a:t>
+            </a:r>
+            <a:endParaRPr lang="en-US" dirty="0"/>
+          </a:p>
+        </p:txBody>
+      </p:sp>
+      <p:sp>
+        <p:nvSpPr>
           <p:cNvPr id="3" name="Pladsholder til indhold 2"/>
           <p:cNvSpPr>
             <a:spLocks noGrp="1"/>
@@ -5674,50 +5873,12 @@
             <p:ph idx="1"/>
           </p:nvPr>
         </p:nvSpPr>
-        <p:spPr/>
-        <p:txBody>
-          <a:bodyPr/>
-          <a:lstStyle/>
-          <a:p>
-            <a:endParaRPr lang="en-US" dirty="0"/>
-          </a:p>
-        </p:txBody>
-      </p:sp>
-      <p:sp>
-        <p:nvSpPr>
-          <p:cNvPr id="4" name="Pladsholder til diasnummer 3"/>
-          <p:cNvSpPr>
-            <a:spLocks noGrp="1"/>
-          </p:cNvSpPr>
-          <p:nvPr>
-            <p:ph type="sldNum" sz="quarter" idx="12"/>
-          </p:nvPr>
-        </p:nvSpPr>
-        <p:spPr/>
-        <p:txBody>
-          <a:bodyPr/>
-          <a:lstStyle/>
-          <a:p>
-            <a:fld id="{F1CA7332-4DAA-4DA0-A413-9D9496445191}" type="slidenum">
-              <a:rPr lang="da-DK" smtClean="0"/>
-              <a:pPr/>
-              <a:t>13</a:t>
-            </a:fld>
-            <a:endParaRPr lang="da-DK"/>
-          </a:p>
-        </p:txBody>
-      </p:sp>
-      <p:sp>
-        <p:nvSpPr>
-          <p:cNvPr id="5" name="Titel 1"/>
-          <p:cNvSpPr>
-            <a:spLocks noGrp="1"/>
-          </p:cNvSpPr>
-          <p:nvPr>
-            <p:ph type="title"/>
-          </p:nvPr>
-        </p:nvSpPr>
-        <p:spPr/>
+        <p:spPr>
+          <a:xfrm>
+            <a:off x="457200" y="1600200"/>
+            <a:ext cx="8229600" cy="5257800"/>
+          </a:xfrm>
+        </p:spPr>
         <p:txBody>
           <a:bodyPr>
             <a:normAutofit/>
@@ -5726,24 +5887,507 @@
           <a:p>
             <a:r>
               <a:rPr lang="en-US" dirty="0" smtClean="0"/>
-              <a:t>The project</a:t>
-            </a:r>
-            <a:endParaRPr lang="da-DK" dirty="0"/>
+              <a:t>Workflow/Data Workflow</a:t>
+            </a:r>
+          </a:p>
+          <a:p>
+            <a:pPr lvl="1"/>
+            <a:r>
+              <a:rPr lang="en-US" dirty="0" smtClean="0"/>
+              <a:t>Data Capturing</a:t>
+            </a:r>
+          </a:p>
+          <a:p>
+            <a:pPr lvl="1"/>
+            <a:r>
+              <a:rPr lang="en-US" dirty="0" smtClean="0"/>
+              <a:t>Connection, Context, Node</a:t>
+            </a:r>
+          </a:p>
+          <a:p>
+            <a:pPr lvl="1"/>
+            <a:r>
+              <a:rPr lang="en-US" dirty="0" smtClean="0"/>
+              <a:t>Analysis, Search/Sort, Profile Link</a:t>
+            </a:r>
+          </a:p>
+          <a:p>
+            <a:r>
+              <a:rPr lang="en-US" dirty="0" smtClean="0"/>
+              <a:t>Client Server / Closed Hypermedia System</a:t>
+            </a:r>
+          </a:p>
+          <a:p>
+            <a:pPr lvl="1"/>
+            <a:r>
+              <a:rPr lang="en-US" dirty="0" smtClean="0"/>
+              <a:t>Using the WWW</a:t>
+            </a:r>
+          </a:p>
+          <a:p>
+            <a:r>
+              <a:rPr lang="en-US" dirty="0" smtClean="0"/>
+              <a:t>Twitter API</a:t>
+            </a:r>
+          </a:p>
+          <a:p>
+            <a:pPr lvl="1"/>
+            <a:r>
+              <a:rPr lang="en-US" dirty="0" smtClean="0"/>
+              <a:t>HTTP get Requests</a:t>
+            </a:r>
+          </a:p>
+          <a:p>
+            <a:r>
+              <a:rPr lang="en-US" dirty="0" smtClean="0"/>
+              <a:t>Twitterizer Library for C#</a:t>
+            </a:r>
+          </a:p>
+          <a:p>
+            <a:endParaRPr lang="en-US" dirty="0" smtClean="0"/>
+          </a:p>
+          <a:p>
+            <a:endParaRPr lang="en-US" dirty="0" smtClean="0"/>
           </a:p>
         </p:txBody>
       </p:sp>
     </p:spTree>
+    <p:extLst>
+      <p:ext uri="{BB962C8B-B14F-4D97-AF65-F5344CB8AC3E}">
+        <p14:creationId xmlns:p14="http://schemas.microsoft.com/office/powerpoint/2010/main" val="914925436"/>
+      </p:ext>
+    </p:extLst>
   </p:cSld>
   <p:clrMapOvr>
     <a:masterClrMapping/>
   </p:clrMapOvr>
-  <p:timing>
-    <p:tnLst>
-      <p:par>
-        <p:cTn id="1" dur="indefinite" restart="never" nodeType="tmRoot"/>
-      </p:par>
-    </p:tnLst>
-  </p:timing>
+</p:sld>
+</file>
+
+<file path=ppt/slides/slide14.xml><?xml version="1.0" encoding="utf-8"?>
+<p:sld xmlns:a="http://schemas.openxmlformats.org/drawingml/2006/main" xmlns:r="http://schemas.openxmlformats.org/officeDocument/2006/relationships" xmlns:p="http://schemas.openxmlformats.org/presentationml/2006/main">
+  <p:cSld>
+    <p:spTree>
+      <p:nvGrpSpPr>
+        <p:cNvPr id="1" name=""/>
+        <p:cNvGrpSpPr/>
+        <p:nvPr/>
+      </p:nvGrpSpPr>
+      <p:grpSpPr>
+        <a:xfrm>
+          <a:off x="0" y="0"/>
+          <a:ext cx="0" cy="0"/>
+          <a:chOff x="0" y="0"/>
+          <a:chExt cx="0" cy="0"/>
+        </a:xfrm>
+      </p:grpSpPr>
+      <p:sp>
+        <p:nvSpPr>
+          <p:cNvPr id="2" name="Titel 1"/>
+          <p:cNvSpPr>
+            <a:spLocks noGrp="1"/>
+          </p:cNvSpPr>
+          <p:nvPr>
+            <p:ph type="title"/>
+          </p:nvPr>
+        </p:nvSpPr>
+        <p:spPr/>
+        <p:txBody>
+          <a:bodyPr/>
+          <a:lstStyle/>
+          <a:p>
+            <a:r>
+              <a:rPr lang="en-US" dirty="0" smtClean="0"/>
+              <a:t>Knowledge Management Workflow</a:t>
+            </a:r>
+            <a:endParaRPr lang="en-US" dirty="0"/>
+          </a:p>
+        </p:txBody>
+      </p:sp>
+      <p:sp>
+        <p:nvSpPr>
+          <p:cNvPr id="3" name="Pladsholder til indhold 2"/>
+          <p:cNvSpPr>
+            <a:spLocks noGrp="1"/>
+          </p:cNvSpPr>
+          <p:nvPr>
+            <p:ph idx="1"/>
+          </p:nvPr>
+        </p:nvSpPr>
+        <p:spPr>
+          <a:xfrm>
+            <a:off x="457200" y="1600200"/>
+            <a:ext cx="8229600" cy="5257800"/>
+          </a:xfrm>
+        </p:spPr>
+        <p:txBody>
+          <a:bodyPr>
+            <a:normAutofit lnSpcReduction="10000"/>
+          </a:bodyPr>
+          <a:lstStyle/>
+          <a:p>
+            <a:r>
+              <a:rPr lang="en-US" dirty="0" smtClean="0"/>
+              <a:t>Social Network Analysis</a:t>
+            </a:r>
+          </a:p>
+          <a:p>
+            <a:pPr lvl="1"/>
+            <a:r>
+              <a:rPr lang="en-US" dirty="0" smtClean="0"/>
+              <a:t>Knowledge from user social activity</a:t>
+            </a:r>
+          </a:p>
+          <a:p>
+            <a:r>
+              <a:rPr lang="en-US" dirty="0" smtClean="0"/>
+              <a:t>Knowledge form people</a:t>
+            </a:r>
+          </a:p>
+          <a:p>
+            <a:pPr lvl="1"/>
+            <a:r>
+              <a:rPr lang="en-US" dirty="0" smtClean="0"/>
+              <a:t>Status updates</a:t>
+            </a:r>
+          </a:p>
+          <a:p>
+            <a:pPr lvl="1"/>
+            <a:r>
+              <a:rPr lang="en-US" dirty="0" smtClean="0"/>
+              <a:t>Public comments</a:t>
+            </a:r>
+          </a:p>
+          <a:p>
+            <a:pPr lvl="1"/>
+            <a:r>
+              <a:rPr lang="en-US" dirty="0" smtClean="0"/>
+              <a:t>Public group conversations</a:t>
+            </a:r>
+          </a:p>
+          <a:p>
+            <a:r>
+              <a:rPr lang="en-US" dirty="0" smtClean="0"/>
+              <a:t>Knowledge acquired</a:t>
+            </a:r>
+          </a:p>
+          <a:p>
+            <a:pPr lvl="1"/>
+            <a:r>
+              <a:rPr lang="en-US" dirty="0" smtClean="0"/>
+              <a:t>Nodes of connection</a:t>
+            </a:r>
+          </a:p>
+          <a:p>
+            <a:pPr lvl="1"/>
+            <a:r>
+              <a:rPr lang="en-US" dirty="0" smtClean="0"/>
+              <a:t>Sorted Relevant Tweets </a:t>
+            </a:r>
+          </a:p>
+          <a:p>
+            <a:pPr lvl="1"/>
+            <a:r>
+              <a:rPr lang="en-US" dirty="0" smtClean="0"/>
+              <a:t>Pattern Detection</a:t>
+            </a:r>
+          </a:p>
+          <a:p>
+            <a:endParaRPr lang="en-US" dirty="0"/>
+          </a:p>
+          <a:p>
+            <a:endParaRPr lang="en-US" dirty="0" smtClean="0"/>
+          </a:p>
+        </p:txBody>
+      </p:sp>
+    </p:spTree>
+    <p:extLst>
+      <p:ext uri="{BB962C8B-B14F-4D97-AF65-F5344CB8AC3E}">
+        <p14:creationId xmlns:p14="http://schemas.microsoft.com/office/powerpoint/2010/main" val="1986813217"/>
+      </p:ext>
+    </p:extLst>
+  </p:cSld>
+  <p:clrMapOvr>
+    <a:masterClrMapping/>
+  </p:clrMapOvr>
+</p:sld>
+</file>
+
+<file path=ppt/slides/slide15.xml><?xml version="1.0" encoding="utf-8"?>
+<p:sld xmlns:a="http://schemas.openxmlformats.org/drawingml/2006/main" xmlns:r="http://schemas.openxmlformats.org/officeDocument/2006/relationships" xmlns:p="http://schemas.openxmlformats.org/presentationml/2006/main">
+  <p:cSld>
+    <p:spTree>
+      <p:nvGrpSpPr>
+        <p:cNvPr id="1" name=""/>
+        <p:cNvGrpSpPr/>
+        <p:nvPr/>
+      </p:nvGrpSpPr>
+      <p:grpSpPr>
+        <a:xfrm>
+          <a:off x="0" y="0"/>
+          <a:ext cx="0" cy="0"/>
+          <a:chOff x="0" y="0"/>
+          <a:chExt cx="0" cy="0"/>
+        </a:xfrm>
+      </p:grpSpPr>
+      <p:sp>
+        <p:nvSpPr>
+          <p:cNvPr id="2" name="Titel 1"/>
+          <p:cNvSpPr>
+            <a:spLocks noGrp="1"/>
+          </p:cNvSpPr>
+          <p:nvPr>
+            <p:ph type="title"/>
+          </p:nvPr>
+        </p:nvSpPr>
+        <p:spPr/>
+        <p:txBody>
+          <a:bodyPr/>
+          <a:lstStyle/>
+          <a:p>
+            <a:r>
+              <a:rPr lang="en-US" dirty="0" smtClean="0"/>
+              <a:t>Further Development </a:t>
+            </a:r>
+            <a:endParaRPr lang="en-US" dirty="0"/>
+          </a:p>
+        </p:txBody>
+      </p:sp>
+      <p:sp>
+        <p:nvSpPr>
+          <p:cNvPr id="3" name="Pladsholder til indhold 2"/>
+          <p:cNvSpPr>
+            <a:spLocks noGrp="1"/>
+          </p:cNvSpPr>
+          <p:nvPr>
+            <p:ph idx="1"/>
+          </p:nvPr>
+        </p:nvSpPr>
+        <p:spPr/>
+        <p:txBody>
+          <a:bodyPr/>
+          <a:lstStyle/>
+          <a:p>
+            <a:r>
+              <a:rPr lang="en-US" dirty="0" smtClean="0"/>
+              <a:t>Improve Search / Sort</a:t>
+            </a:r>
+          </a:p>
+          <a:p>
+            <a:pPr lvl="1"/>
+            <a:r>
+              <a:rPr lang="en-US" dirty="0"/>
+              <a:t>Natural Language </a:t>
+            </a:r>
+            <a:r>
+              <a:rPr lang="en-US" dirty="0" smtClean="0"/>
+              <a:t>Processing</a:t>
+            </a:r>
+          </a:p>
+          <a:p>
+            <a:r>
+              <a:rPr lang="en-US" dirty="0" smtClean="0"/>
+              <a:t>Improve Awareness</a:t>
+            </a:r>
+          </a:p>
+          <a:p>
+            <a:pPr lvl="1"/>
+            <a:r>
+              <a:rPr lang="en-US" dirty="0" smtClean="0"/>
+              <a:t>Node Connections</a:t>
+            </a:r>
+          </a:p>
+          <a:p>
+            <a:pPr lvl="2"/>
+            <a:r>
+              <a:rPr lang="en-US" dirty="0" smtClean="0"/>
+              <a:t>Closeness, other Node Patterns</a:t>
+            </a:r>
+          </a:p>
+          <a:p>
+            <a:pPr lvl="1"/>
+            <a:r>
+              <a:rPr lang="en-US" dirty="0" smtClean="0"/>
+              <a:t>Graphical Representation of Connections</a:t>
+            </a:r>
+            <a:endParaRPr lang="en-US" dirty="0"/>
+          </a:p>
+          <a:p>
+            <a:r>
+              <a:rPr lang="en-US" dirty="0" smtClean="0"/>
+              <a:t>Add Advanced Crawling</a:t>
+            </a:r>
+          </a:p>
+          <a:p>
+            <a:r>
+              <a:rPr lang="en-US" dirty="0" smtClean="0"/>
+              <a:t>Circumvent API Limitations</a:t>
+            </a:r>
+          </a:p>
+          <a:p>
+            <a:endParaRPr lang="en-US" dirty="0"/>
+          </a:p>
+        </p:txBody>
+      </p:sp>
+    </p:spTree>
+    <p:extLst>
+      <p:ext uri="{BB962C8B-B14F-4D97-AF65-F5344CB8AC3E}">
+        <p14:creationId xmlns:p14="http://schemas.microsoft.com/office/powerpoint/2010/main" val="3329987678"/>
+      </p:ext>
+    </p:extLst>
+  </p:cSld>
+  <p:clrMapOvr>
+    <a:masterClrMapping/>
+  </p:clrMapOvr>
+</p:sld>
+</file>
+
+<file path=ppt/slides/slide16.xml><?xml version="1.0" encoding="utf-8"?>
+<p:sld xmlns:a="http://schemas.openxmlformats.org/drawingml/2006/main" xmlns:r="http://schemas.openxmlformats.org/officeDocument/2006/relationships" xmlns:p="http://schemas.openxmlformats.org/presentationml/2006/main">
+  <p:cSld>
+    <p:spTree>
+      <p:nvGrpSpPr>
+        <p:cNvPr id="1" name=""/>
+        <p:cNvGrpSpPr/>
+        <p:nvPr/>
+      </p:nvGrpSpPr>
+      <p:grpSpPr>
+        <a:xfrm>
+          <a:off x="0" y="0"/>
+          <a:ext cx="0" cy="0"/>
+          <a:chOff x="0" y="0"/>
+          <a:chExt cx="0" cy="0"/>
+        </a:xfrm>
+      </p:grpSpPr>
+      <p:sp>
+        <p:nvSpPr>
+          <p:cNvPr id="2" name="Titel 1"/>
+          <p:cNvSpPr>
+            <a:spLocks noGrp="1"/>
+          </p:cNvSpPr>
+          <p:nvPr>
+            <p:ph type="title"/>
+          </p:nvPr>
+        </p:nvSpPr>
+        <p:spPr/>
+        <p:txBody>
+          <a:bodyPr>
+            <a:normAutofit/>
+          </a:bodyPr>
+          <a:lstStyle/>
+          <a:p>
+            <a:r>
+              <a:rPr lang="en-US" dirty="0"/>
+              <a:t>Further Development </a:t>
+            </a:r>
+          </a:p>
+        </p:txBody>
+      </p:sp>
+      <p:sp>
+        <p:nvSpPr>
+          <p:cNvPr id="3" name="Pladsholder til indhold 2"/>
+          <p:cNvSpPr>
+            <a:spLocks noGrp="1"/>
+          </p:cNvSpPr>
+          <p:nvPr>
+            <p:ph idx="1"/>
+          </p:nvPr>
+        </p:nvSpPr>
+        <p:spPr>
+          <a:xfrm>
+            <a:off x="457200" y="1600200"/>
+            <a:ext cx="8229600" cy="5257800"/>
+          </a:xfrm>
+        </p:spPr>
+        <p:txBody>
+          <a:bodyPr>
+            <a:normAutofit/>
+          </a:bodyPr>
+          <a:lstStyle/>
+          <a:p>
+            <a:r>
+              <a:rPr lang="en-US" dirty="0"/>
+              <a:t>Computer supported cooperative </a:t>
+            </a:r>
+            <a:r>
+              <a:rPr lang="en-US" dirty="0" smtClean="0"/>
+              <a:t>work</a:t>
+            </a:r>
+          </a:p>
+          <a:p>
+            <a:pPr lvl="1"/>
+            <a:r>
+              <a:rPr lang="en-US" dirty="0" smtClean="0"/>
+              <a:t>Several Analysts</a:t>
+            </a:r>
+            <a:endParaRPr lang="en-US" dirty="0"/>
+          </a:p>
+          <a:p>
+            <a:pPr lvl="1"/>
+            <a:r>
+              <a:rPr lang="en-US" dirty="0" smtClean="0"/>
+              <a:t>Human Improved Search and Pattern Recognition</a:t>
+            </a:r>
+          </a:p>
+          <a:p>
+            <a:pPr lvl="1"/>
+            <a:r>
+              <a:rPr lang="en-US" dirty="0" smtClean="0"/>
+              <a:t>Human Improved AI, reward system</a:t>
+            </a:r>
+          </a:p>
+          <a:p>
+            <a:r>
+              <a:rPr lang="en-US" dirty="0" smtClean="0"/>
+              <a:t>Cooperation system</a:t>
+            </a:r>
+          </a:p>
+          <a:p>
+            <a:pPr lvl="1"/>
+            <a:r>
+              <a:rPr lang="en-US" dirty="0" smtClean="0"/>
+              <a:t>Storing the knowledge</a:t>
+            </a:r>
+          </a:p>
+          <a:p>
+            <a:pPr lvl="1"/>
+            <a:r>
+              <a:rPr lang="en-US" dirty="0" smtClean="0"/>
+              <a:t>Sharing the knowledge</a:t>
+            </a:r>
+          </a:p>
+          <a:p>
+            <a:pPr lvl="2"/>
+            <a:r>
+              <a:rPr lang="en-US" dirty="0" smtClean="0"/>
+              <a:t>Trend Analysis</a:t>
+            </a:r>
+          </a:p>
+          <a:p>
+            <a:pPr lvl="2"/>
+            <a:r>
+              <a:rPr lang="en-US" dirty="0" smtClean="0"/>
+              <a:t>Early Warning System</a:t>
+            </a:r>
+          </a:p>
+          <a:p>
+            <a:r>
+              <a:rPr lang="en-US" dirty="0" smtClean="0"/>
+              <a:t>Emergency Response, threat recognition</a:t>
+            </a:r>
+          </a:p>
+        </p:txBody>
+      </p:sp>
+    </p:spTree>
+    <p:extLst>
+      <p:ext uri="{BB962C8B-B14F-4D97-AF65-F5344CB8AC3E}">
+        <p14:creationId xmlns:p14="http://schemas.microsoft.com/office/powerpoint/2010/main" val="2354276061"/>
+      </p:ext>
+    </p:extLst>
+  </p:cSld>
+  <p:clrMapOvr>
+    <a:masterClrMapping/>
+  </p:clrMapOvr>
 </p:sld>
 </file>
 

--- a/SSE3/MartinPresentation/SSE3_4.pptx
+++ b/SSE3/MartinPresentation/SSE3_4.pptx
@@ -6827,6 +6827,70 @@
           </a:p>
         </p:txBody>
       </p:sp>
+      <p:pic>
+        <p:nvPicPr>
+          <p:cNvPr id="7" name="Picture 6"/>
+          <p:cNvPicPr>
+            <a:picLocks noChangeAspect="1" noChangeArrowheads="1"/>
+          </p:cNvPicPr>
+          <p:nvPr/>
+        </p:nvPicPr>
+        <p:blipFill>
+          <a:blip r:embed="rId5">
+            <a:extLst>
+              <a:ext uri="{28A0092B-C50C-407E-A947-70E740481C1C}">
+                <a14:useLocalDpi xmlns:a14="http://schemas.microsoft.com/office/drawing/2010/main" val="0"/>
+              </a:ext>
+            </a:extLst>
+          </a:blip>
+          <a:srcRect/>
+          <a:stretch>
+            <a:fillRect/>
+          </a:stretch>
+        </p:blipFill>
+        <p:spPr bwMode="auto">
+          <a:xfrm>
+            <a:off x="323528" y="2488843"/>
+            <a:ext cx="3835297" cy="2831921"/>
+          </a:xfrm>
+          <a:prstGeom prst="rect">
+            <a:avLst/>
+          </a:prstGeom>
+          <a:noFill/>
+          <a:ln>
+            <a:noFill/>
+          </a:ln>
+          <a:effectLst/>
+          <a:extLst>
+            <a:ext uri="{909E8E84-426E-40DD-AFC4-6F175D3DCCD1}">
+              <a14:hiddenFill xmlns:a14="http://schemas.microsoft.com/office/drawing/2010/main">
+                <a:solidFill>
+                  <a:schemeClr val="accent1"/>
+                </a:solidFill>
+              </a14:hiddenFill>
+            </a:ext>
+            <a:ext uri="{91240B29-F687-4F45-9708-019B960494DF}">
+              <a14:hiddenLine xmlns:a14="http://schemas.microsoft.com/office/drawing/2010/main" w="9525">
+                <a:solidFill>
+                  <a:schemeClr val="tx1"/>
+                </a:solidFill>
+                <a:miter lim="800000"/>
+                <a:headEnd/>
+                <a:tailEnd/>
+              </a14:hiddenLine>
+            </a:ext>
+            <a:ext uri="{AF507438-7753-43E0-B8FC-AC1667EBCBE1}">
+              <a14:hiddenEffects xmlns:a14="http://schemas.microsoft.com/office/drawing/2010/main">
+                <a:effectLst>
+                  <a:outerShdw dist="35921" dir="2700000" algn="ctr" rotWithShape="0">
+                    <a:schemeClr val="bg2"/>
+                  </a:outerShdw>
+                </a:effectLst>
+              </a14:hiddenEffects>
+            </a:ext>
+          </a:extLst>
+        </p:spPr>
+      </p:pic>
     </p:spTree>
   </p:cSld>
   <p:clrMapOvr>
